--- a/SNT/AvantMars/RéseauxSociaux/Groupe2/Influenceur/SNT Influencer.pptx
+++ b/SNT/AvantMars/RéseauxSociaux/Groupe2/Influenceur/SNT Influencer.pptx
@@ -110,6 +110,22 @@
       </a:defRPr>
     </a:lvl9pPr>
   </p:defaultTextStyle>
+  <p:extLst>
+    <p:ext uri="{EFAFB233-063F-42B5-8137-9DF3F51BA10A}">
+      <p15:sldGuideLst xmlns:p15="http://schemas.microsoft.com/office/powerpoint/2012/main">
+        <p15:guide id="1" orient="horz" pos="2160">
+          <p15:clr>
+            <a:srgbClr val="A4A3A4"/>
+          </p15:clr>
+        </p15:guide>
+        <p15:guide id="2" pos="2880">
+          <p15:clr>
+            <a:srgbClr val="A4A3A4"/>
+          </p15:clr>
+        </p15:guide>
+      </p15:sldGuideLst>
+    </p:ext>
+  </p:extLst>
 </p:presentation>
 </file>
 
@@ -151,10 +167,9 @@
           <a:lstStyle/>
           <a:p>
             <a:r>
-              <a:rPr lang="fr-FR" smtClean="0"/>
+              <a:rPr lang="fr-FR"/>
               <a:t>Cliquez pour modifier le style du titre</a:t>
             </a:r>
-            <a:endParaRPr lang="fr-FR"/>
           </a:p>
         </p:txBody>
       </p:sp>
@@ -270,10 +285,9 @@
           </a:lstStyle>
           <a:p>
             <a:r>
-              <a:rPr lang="fr-FR" smtClean="0"/>
+              <a:rPr lang="fr-FR"/>
               <a:t>Cliquez pour modifier le style des sous-titres du masque</a:t>
             </a:r>
-            <a:endParaRPr lang="fr-FR"/>
           </a:p>
         </p:txBody>
       </p:sp>
@@ -295,7 +309,7 @@
             <a:fld id="{67AA1F29-F173-4379-92EF-EDF705BAA464}" type="datetimeFigureOut">
               <a:rPr lang="fr-FR" smtClean="0"/>
               <a:pPr/>
-              <a:t>17/01/2021</a:t>
+              <a:t>26/02/2021</a:t>
             </a:fld>
             <a:endParaRPr lang="fr-FR"/>
           </a:p>
@@ -338,7 +352,7 @@
             <a:fld id="{A0E3AF4A-B52E-4BB6-915B-1EC466967BF3}" type="slidenum">
               <a:rPr lang="fr-FR" smtClean="0"/>
               <a:pPr/>
-              <a:t>‹N°›</a:t>
+              <a:t>‹#›</a:t>
             </a:fld>
             <a:endParaRPr lang="fr-FR"/>
           </a:p>
@@ -385,10 +399,9 @@
           <a:lstStyle/>
           <a:p>
             <a:r>
-              <a:rPr lang="fr-FR" smtClean="0"/>
+              <a:rPr lang="fr-FR"/>
               <a:t>Cliquez pour modifier le style du titre</a:t>
             </a:r>
-            <a:endParaRPr lang="fr-FR"/>
           </a:p>
         </p:txBody>
       </p:sp>
@@ -409,38 +422,37 @@
           <a:p>
             <a:pPr lvl="0"/>
             <a:r>
-              <a:rPr lang="fr-FR" smtClean="0"/>
+              <a:rPr lang="fr-FR"/>
               <a:t>Cliquez pour modifier les styles du texte du masque</a:t>
             </a:r>
           </a:p>
           <a:p>
             <a:pPr lvl="1"/>
             <a:r>
-              <a:rPr lang="fr-FR" smtClean="0"/>
+              <a:rPr lang="fr-FR"/>
               <a:t>Deuxième niveau</a:t>
             </a:r>
           </a:p>
           <a:p>
             <a:pPr lvl="2"/>
             <a:r>
-              <a:rPr lang="fr-FR" smtClean="0"/>
+              <a:rPr lang="fr-FR"/>
               <a:t>Troisième niveau</a:t>
             </a:r>
           </a:p>
           <a:p>
             <a:pPr lvl="3"/>
             <a:r>
-              <a:rPr lang="fr-FR" smtClean="0"/>
+              <a:rPr lang="fr-FR"/>
               <a:t>Quatrième niveau</a:t>
             </a:r>
           </a:p>
           <a:p>
             <a:pPr lvl="4"/>
             <a:r>
-              <a:rPr lang="fr-FR" smtClean="0"/>
+              <a:rPr lang="fr-FR"/>
               <a:t>Cinquième niveau</a:t>
             </a:r>
-            <a:endParaRPr lang="fr-FR"/>
           </a:p>
         </p:txBody>
       </p:sp>
@@ -462,7 +474,7 @@
             <a:fld id="{67AA1F29-F173-4379-92EF-EDF705BAA464}" type="datetimeFigureOut">
               <a:rPr lang="fr-FR" smtClean="0"/>
               <a:pPr/>
-              <a:t>17/01/2021</a:t>
+              <a:t>26/02/2021</a:t>
             </a:fld>
             <a:endParaRPr lang="fr-FR"/>
           </a:p>
@@ -505,7 +517,7 @@
             <a:fld id="{A0E3AF4A-B52E-4BB6-915B-1EC466967BF3}" type="slidenum">
               <a:rPr lang="fr-FR" smtClean="0"/>
               <a:pPr/>
-              <a:t>‹N°›</a:t>
+              <a:t>‹#›</a:t>
             </a:fld>
             <a:endParaRPr lang="fr-FR"/>
           </a:p>
@@ -557,10 +569,9 @@
           <a:lstStyle/>
           <a:p>
             <a:r>
-              <a:rPr lang="fr-FR" smtClean="0"/>
+              <a:rPr lang="fr-FR"/>
               <a:t>Cliquez pour modifier le style du titre</a:t>
             </a:r>
-            <a:endParaRPr lang="fr-FR"/>
           </a:p>
         </p:txBody>
       </p:sp>
@@ -586,38 +597,37 @@
           <a:p>
             <a:pPr lvl="0"/>
             <a:r>
-              <a:rPr lang="fr-FR" smtClean="0"/>
+              <a:rPr lang="fr-FR"/>
               <a:t>Cliquez pour modifier les styles du texte du masque</a:t>
             </a:r>
           </a:p>
           <a:p>
             <a:pPr lvl="1"/>
             <a:r>
-              <a:rPr lang="fr-FR" smtClean="0"/>
+              <a:rPr lang="fr-FR"/>
               <a:t>Deuxième niveau</a:t>
             </a:r>
           </a:p>
           <a:p>
             <a:pPr lvl="2"/>
             <a:r>
-              <a:rPr lang="fr-FR" smtClean="0"/>
+              <a:rPr lang="fr-FR"/>
               <a:t>Troisième niveau</a:t>
             </a:r>
           </a:p>
           <a:p>
             <a:pPr lvl="3"/>
             <a:r>
-              <a:rPr lang="fr-FR" smtClean="0"/>
+              <a:rPr lang="fr-FR"/>
               <a:t>Quatrième niveau</a:t>
             </a:r>
           </a:p>
           <a:p>
             <a:pPr lvl="4"/>
             <a:r>
-              <a:rPr lang="fr-FR" smtClean="0"/>
+              <a:rPr lang="fr-FR"/>
               <a:t>Cinquième niveau</a:t>
             </a:r>
-            <a:endParaRPr lang="fr-FR"/>
           </a:p>
         </p:txBody>
       </p:sp>
@@ -639,7 +649,7 @@
             <a:fld id="{67AA1F29-F173-4379-92EF-EDF705BAA464}" type="datetimeFigureOut">
               <a:rPr lang="fr-FR" smtClean="0"/>
               <a:pPr/>
-              <a:t>17/01/2021</a:t>
+              <a:t>26/02/2021</a:t>
             </a:fld>
             <a:endParaRPr lang="fr-FR"/>
           </a:p>
@@ -682,7 +692,7 @@
             <a:fld id="{A0E3AF4A-B52E-4BB6-915B-1EC466967BF3}" type="slidenum">
               <a:rPr lang="fr-FR" smtClean="0"/>
               <a:pPr/>
-              <a:t>‹N°›</a:t>
+              <a:t>‹#›</a:t>
             </a:fld>
             <a:endParaRPr lang="fr-FR"/>
           </a:p>
@@ -729,10 +739,9 @@
           <a:lstStyle/>
           <a:p>
             <a:r>
-              <a:rPr lang="fr-FR" smtClean="0"/>
+              <a:rPr lang="fr-FR"/>
               <a:t>Cliquez pour modifier le style du titre</a:t>
             </a:r>
-            <a:endParaRPr lang="fr-FR"/>
           </a:p>
         </p:txBody>
       </p:sp>
@@ -753,38 +762,37 @@
           <a:p>
             <a:pPr lvl="0"/>
             <a:r>
-              <a:rPr lang="fr-FR" smtClean="0"/>
+              <a:rPr lang="fr-FR"/>
               <a:t>Cliquez pour modifier les styles du texte du masque</a:t>
             </a:r>
           </a:p>
           <a:p>
             <a:pPr lvl="1"/>
             <a:r>
-              <a:rPr lang="fr-FR" smtClean="0"/>
+              <a:rPr lang="fr-FR"/>
               <a:t>Deuxième niveau</a:t>
             </a:r>
           </a:p>
           <a:p>
             <a:pPr lvl="2"/>
             <a:r>
-              <a:rPr lang="fr-FR" smtClean="0"/>
+              <a:rPr lang="fr-FR"/>
               <a:t>Troisième niveau</a:t>
             </a:r>
           </a:p>
           <a:p>
             <a:pPr lvl="3"/>
             <a:r>
-              <a:rPr lang="fr-FR" smtClean="0"/>
+              <a:rPr lang="fr-FR"/>
               <a:t>Quatrième niveau</a:t>
             </a:r>
           </a:p>
           <a:p>
             <a:pPr lvl="4"/>
             <a:r>
-              <a:rPr lang="fr-FR" smtClean="0"/>
+              <a:rPr lang="fr-FR"/>
               <a:t>Cinquième niveau</a:t>
             </a:r>
-            <a:endParaRPr lang="fr-FR"/>
           </a:p>
         </p:txBody>
       </p:sp>
@@ -806,7 +814,7 @@
             <a:fld id="{67AA1F29-F173-4379-92EF-EDF705BAA464}" type="datetimeFigureOut">
               <a:rPr lang="fr-FR" smtClean="0"/>
               <a:pPr/>
-              <a:t>17/01/2021</a:t>
+              <a:t>26/02/2021</a:t>
             </a:fld>
             <a:endParaRPr lang="fr-FR"/>
           </a:p>
@@ -849,7 +857,7 @@
             <a:fld id="{A0E3AF4A-B52E-4BB6-915B-1EC466967BF3}" type="slidenum">
               <a:rPr lang="fr-FR" smtClean="0"/>
               <a:pPr/>
-              <a:t>‹N°›</a:t>
+              <a:t>‹#›</a:t>
             </a:fld>
             <a:endParaRPr lang="fr-FR"/>
           </a:p>
@@ -905,10 +913,9 @@
           </a:lstStyle>
           <a:p>
             <a:r>
-              <a:rPr lang="fr-FR" smtClean="0"/>
+              <a:rPr lang="fr-FR"/>
               <a:t>Cliquez pour modifier le style du titre</a:t>
             </a:r>
-            <a:endParaRPr lang="fr-FR"/>
           </a:p>
         </p:txBody>
       </p:sp>
@@ -1025,7 +1032,7 @@
           <a:p>
             <a:pPr lvl="0"/>
             <a:r>
-              <a:rPr lang="fr-FR" smtClean="0"/>
+              <a:rPr lang="fr-FR"/>
               <a:t>Cliquez pour modifier les styles du texte du masque</a:t>
             </a:r>
           </a:p>
@@ -1049,7 +1056,7 @@
             <a:fld id="{67AA1F29-F173-4379-92EF-EDF705BAA464}" type="datetimeFigureOut">
               <a:rPr lang="fr-FR" smtClean="0"/>
               <a:pPr/>
-              <a:t>17/01/2021</a:t>
+              <a:t>26/02/2021</a:t>
             </a:fld>
             <a:endParaRPr lang="fr-FR"/>
           </a:p>
@@ -1092,7 +1099,7 @@
             <a:fld id="{A0E3AF4A-B52E-4BB6-915B-1EC466967BF3}" type="slidenum">
               <a:rPr lang="fr-FR" smtClean="0"/>
               <a:pPr/>
-              <a:t>‹N°›</a:t>
+              <a:t>‹#›</a:t>
             </a:fld>
             <a:endParaRPr lang="fr-FR"/>
           </a:p>
@@ -1139,10 +1146,9 @@
           <a:lstStyle/>
           <a:p>
             <a:r>
-              <a:rPr lang="fr-FR" smtClean="0"/>
+              <a:rPr lang="fr-FR"/>
               <a:t>Cliquez pour modifier le style du titre</a:t>
             </a:r>
-            <a:endParaRPr lang="fr-FR"/>
           </a:p>
         </p:txBody>
       </p:sp>
@@ -1196,38 +1202,37 @@
           <a:p>
             <a:pPr lvl="0"/>
             <a:r>
-              <a:rPr lang="fr-FR" smtClean="0"/>
+              <a:rPr lang="fr-FR"/>
               <a:t>Cliquez pour modifier les styles du texte du masque</a:t>
             </a:r>
           </a:p>
           <a:p>
             <a:pPr lvl="1"/>
             <a:r>
-              <a:rPr lang="fr-FR" smtClean="0"/>
+              <a:rPr lang="fr-FR"/>
               <a:t>Deuxième niveau</a:t>
             </a:r>
           </a:p>
           <a:p>
             <a:pPr lvl="2"/>
             <a:r>
-              <a:rPr lang="fr-FR" smtClean="0"/>
+              <a:rPr lang="fr-FR"/>
               <a:t>Troisième niveau</a:t>
             </a:r>
           </a:p>
           <a:p>
             <a:pPr lvl="3"/>
             <a:r>
-              <a:rPr lang="fr-FR" smtClean="0"/>
+              <a:rPr lang="fr-FR"/>
               <a:t>Quatrième niveau</a:t>
             </a:r>
           </a:p>
           <a:p>
             <a:pPr lvl="4"/>
             <a:r>
-              <a:rPr lang="fr-FR" smtClean="0"/>
+              <a:rPr lang="fr-FR"/>
               <a:t>Cinquième niveau</a:t>
             </a:r>
-            <a:endParaRPr lang="fr-FR"/>
           </a:p>
         </p:txBody>
       </p:sp>
@@ -1281,38 +1286,37 @@
           <a:p>
             <a:pPr lvl="0"/>
             <a:r>
-              <a:rPr lang="fr-FR" smtClean="0"/>
+              <a:rPr lang="fr-FR"/>
               <a:t>Cliquez pour modifier les styles du texte du masque</a:t>
             </a:r>
           </a:p>
           <a:p>
             <a:pPr lvl="1"/>
             <a:r>
-              <a:rPr lang="fr-FR" smtClean="0"/>
+              <a:rPr lang="fr-FR"/>
               <a:t>Deuxième niveau</a:t>
             </a:r>
           </a:p>
           <a:p>
             <a:pPr lvl="2"/>
             <a:r>
-              <a:rPr lang="fr-FR" smtClean="0"/>
+              <a:rPr lang="fr-FR"/>
               <a:t>Troisième niveau</a:t>
             </a:r>
           </a:p>
           <a:p>
             <a:pPr lvl="3"/>
             <a:r>
-              <a:rPr lang="fr-FR" smtClean="0"/>
+              <a:rPr lang="fr-FR"/>
               <a:t>Quatrième niveau</a:t>
             </a:r>
           </a:p>
           <a:p>
             <a:pPr lvl="4"/>
             <a:r>
-              <a:rPr lang="fr-FR" smtClean="0"/>
+              <a:rPr lang="fr-FR"/>
               <a:t>Cinquième niveau</a:t>
             </a:r>
-            <a:endParaRPr lang="fr-FR"/>
           </a:p>
         </p:txBody>
       </p:sp>
@@ -1334,7 +1338,7 @@
             <a:fld id="{67AA1F29-F173-4379-92EF-EDF705BAA464}" type="datetimeFigureOut">
               <a:rPr lang="fr-FR" smtClean="0"/>
               <a:pPr/>
-              <a:t>17/01/2021</a:t>
+              <a:t>26/02/2021</a:t>
             </a:fld>
             <a:endParaRPr lang="fr-FR"/>
           </a:p>
@@ -1377,7 +1381,7 @@
             <a:fld id="{A0E3AF4A-B52E-4BB6-915B-1EC466967BF3}" type="slidenum">
               <a:rPr lang="fr-FR" smtClean="0"/>
               <a:pPr/>
-              <a:t>‹N°›</a:t>
+              <a:t>‹#›</a:t>
             </a:fld>
             <a:endParaRPr lang="fr-FR"/>
           </a:p>
@@ -1428,10 +1432,9 @@
           </a:lstStyle>
           <a:p>
             <a:r>
-              <a:rPr lang="fr-FR" smtClean="0"/>
+              <a:rPr lang="fr-FR"/>
               <a:t>Cliquez pour modifier le style du titre</a:t>
             </a:r>
-            <a:endParaRPr lang="fr-FR"/>
           </a:p>
         </p:txBody>
       </p:sp>
@@ -1494,7 +1497,7 @@
           <a:p>
             <a:pPr lvl="0"/>
             <a:r>
-              <a:rPr lang="fr-FR" smtClean="0"/>
+              <a:rPr lang="fr-FR"/>
               <a:t>Cliquez pour modifier les styles du texte du masque</a:t>
             </a:r>
           </a:p>
@@ -1550,38 +1553,37 @@
           <a:p>
             <a:pPr lvl="0"/>
             <a:r>
-              <a:rPr lang="fr-FR" smtClean="0"/>
+              <a:rPr lang="fr-FR"/>
               <a:t>Cliquez pour modifier les styles du texte du masque</a:t>
             </a:r>
           </a:p>
           <a:p>
             <a:pPr lvl="1"/>
             <a:r>
-              <a:rPr lang="fr-FR" smtClean="0"/>
+              <a:rPr lang="fr-FR"/>
               <a:t>Deuxième niveau</a:t>
             </a:r>
           </a:p>
           <a:p>
             <a:pPr lvl="2"/>
             <a:r>
-              <a:rPr lang="fr-FR" smtClean="0"/>
+              <a:rPr lang="fr-FR"/>
               <a:t>Troisième niveau</a:t>
             </a:r>
           </a:p>
           <a:p>
             <a:pPr lvl="3"/>
             <a:r>
-              <a:rPr lang="fr-FR" smtClean="0"/>
+              <a:rPr lang="fr-FR"/>
               <a:t>Quatrième niveau</a:t>
             </a:r>
           </a:p>
           <a:p>
             <a:pPr lvl="4"/>
             <a:r>
-              <a:rPr lang="fr-FR" smtClean="0"/>
+              <a:rPr lang="fr-FR"/>
               <a:t>Cinquième niveau</a:t>
             </a:r>
-            <a:endParaRPr lang="fr-FR"/>
           </a:p>
         </p:txBody>
       </p:sp>
@@ -1644,7 +1646,7 @@
           <a:p>
             <a:pPr lvl="0"/>
             <a:r>
-              <a:rPr lang="fr-FR" smtClean="0"/>
+              <a:rPr lang="fr-FR"/>
               <a:t>Cliquez pour modifier les styles du texte du masque</a:t>
             </a:r>
           </a:p>
@@ -1700,38 +1702,37 @@
           <a:p>
             <a:pPr lvl="0"/>
             <a:r>
-              <a:rPr lang="fr-FR" smtClean="0"/>
+              <a:rPr lang="fr-FR"/>
               <a:t>Cliquez pour modifier les styles du texte du masque</a:t>
             </a:r>
           </a:p>
           <a:p>
             <a:pPr lvl="1"/>
             <a:r>
-              <a:rPr lang="fr-FR" smtClean="0"/>
+              <a:rPr lang="fr-FR"/>
               <a:t>Deuxième niveau</a:t>
             </a:r>
           </a:p>
           <a:p>
             <a:pPr lvl="2"/>
             <a:r>
-              <a:rPr lang="fr-FR" smtClean="0"/>
+              <a:rPr lang="fr-FR"/>
               <a:t>Troisième niveau</a:t>
             </a:r>
           </a:p>
           <a:p>
             <a:pPr lvl="3"/>
             <a:r>
-              <a:rPr lang="fr-FR" smtClean="0"/>
+              <a:rPr lang="fr-FR"/>
               <a:t>Quatrième niveau</a:t>
             </a:r>
           </a:p>
           <a:p>
             <a:pPr lvl="4"/>
             <a:r>
-              <a:rPr lang="fr-FR" smtClean="0"/>
+              <a:rPr lang="fr-FR"/>
               <a:t>Cinquième niveau</a:t>
             </a:r>
-            <a:endParaRPr lang="fr-FR"/>
           </a:p>
         </p:txBody>
       </p:sp>
@@ -1753,7 +1754,7 @@
             <a:fld id="{67AA1F29-F173-4379-92EF-EDF705BAA464}" type="datetimeFigureOut">
               <a:rPr lang="fr-FR" smtClean="0"/>
               <a:pPr/>
-              <a:t>17/01/2021</a:t>
+              <a:t>26/02/2021</a:t>
             </a:fld>
             <a:endParaRPr lang="fr-FR"/>
           </a:p>
@@ -1796,7 +1797,7 @@
             <a:fld id="{A0E3AF4A-B52E-4BB6-915B-1EC466967BF3}" type="slidenum">
               <a:rPr lang="fr-FR" smtClean="0"/>
               <a:pPr/>
-              <a:t>‹N°›</a:t>
+              <a:t>‹#›</a:t>
             </a:fld>
             <a:endParaRPr lang="fr-FR"/>
           </a:p>
@@ -1843,10 +1844,9 @@
           <a:lstStyle/>
           <a:p>
             <a:r>
-              <a:rPr lang="fr-FR" smtClean="0"/>
+              <a:rPr lang="fr-FR"/>
               <a:t>Cliquez pour modifier le style du titre</a:t>
             </a:r>
-            <a:endParaRPr lang="fr-FR"/>
           </a:p>
         </p:txBody>
       </p:sp>
@@ -1868,7 +1868,7 @@
             <a:fld id="{67AA1F29-F173-4379-92EF-EDF705BAA464}" type="datetimeFigureOut">
               <a:rPr lang="fr-FR" smtClean="0"/>
               <a:pPr/>
-              <a:t>17/01/2021</a:t>
+              <a:t>26/02/2021</a:t>
             </a:fld>
             <a:endParaRPr lang="fr-FR"/>
           </a:p>
@@ -1911,7 +1911,7 @@
             <a:fld id="{A0E3AF4A-B52E-4BB6-915B-1EC466967BF3}" type="slidenum">
               <a:rPr lang="fr-FR" smtClean="0"/>
               <a:pPr/>
-              <a:t>‹N°›</a:t>
+              <a:t>‹#›</a:t>
             </a:fld>
             <a:endParaRPr lang="fr-FR"/>
           </a:p>
@@ -1960,7 +1960,7 @@
             <a:fld id="{67AA1F29-F173-4379-92EF-EDF705BAA464}" type="datetimeFigureOut">
               <a:rPr lang="fr-FR" smtClean="0"/>
               <a:pPr/>
-              <a:t>17/01/2021</a:t>
+              <a:t>26/02/2021</a:t>
             </a:fld>
             <a:endParaRPr lang="fr-FR"/>
           </a:p>
@@ -2003,7 +2003,7 @@
             <a:fld id="{A0E3AF4A-B52E-4BB6-915B-1EC466967BF3}" type="slidenum">
               <a:rPr lang="fr-FR" smtClean="0"/>
               <a:pPr/>
-              <a:t>‹N°›</a:t>
+              <a:t>‹#›</a:t>
             </a:fld>
             <a:endParaRPr lang="fr-FR"/>
           </a:p>
@@ -2059,10 +2059,9 @@
           </a:lstStyle>
           <a:p>
             <a:r>
-              <a:rPr lang="fr-FR" smtClean="0"/>
+              <a:rPr lang="fr-FR"/>
               <a:t>Cliquez pour modifier le style du titre</a:t>
             </a:r>
-            <a:endParaRPr lang="fr-FR"/>
           </a:p>
         </p:txBody>
       </p:sp>
@@ -2116,38 +2115,37 @@
           <a:p>
             <a:pPr lvl="0"/>
             <a:r>
-              <a:rPr lang="fr-FR" smtClean="0"/>
+              <a:rPr lang="fr-FR"/>
               <a:t>Cliquez pour modifier les styles du texte du masque</a:t>
             </a:r>
           </a:p>
           <a:p>
             <a:pPr lvl="1"/>
             <a:r>
-              <a:rPr lang="fr-FR" smtClean="0"/>
+              <a:rPr lang="fr-FR"/>
               <a:t>Deuxième niveau</a:t>
             </a:r>
           </a:p>
           <a:p>
             <a:pPr lvl="2"/>
             <a:r>
-              <a:rPr lang="fr-FR" smtClean="0"/>
+              <a:rPr lang="fr-FR"/>
               <a:t>Troisième niveau</a:t>
             </a:r>
           </a:p>
           <a:p>
             <a:pPr lvl="3"/>
             <a:r>
-              <a:rPr lang="fr-FR" smtClean="0"/>
+              <a:rPr lang="fr-FR"/>
               <a:t>Quatrième niveau</a:t>
             </a:r>
           </a:p>
           <a:p>
             <a:pPr lvl="4"/>
             <a:r>
-              <a:rPr lang="fr-FR" smtClean="0"/>
+              <a:rPr lang="fr-FR"/>
               <a:t>Cinquième niveau</a:t>
             </a:r>
-            <a:endParaRPr lang="fr-FR"/>
           </a:p>
         </p:txBody>
       </p:sp>
@@ -2210,7 +2208,7 @@
           <a:p>
             <a:pPr lvl="0"/>
             <a:r>
-              <a:rPr lang="fr-FR" smtClean="0"/>
+              <a:rPr lang="fr-FR"/>
               <a:t>Cliquez pour modifier les styles du texte du masque</a:t>
             </a:r>
           </a:p>
@@ -2234,7 +2232,7 @@
             <a:fld id="{67AA1F29-F173-4379-92EF-EDF705BAA464}" type="datetimeFigureOut">
               <a:rPr lang="fr-FR" smtClean="0"/>
               <a:pPr/>
-              <a:t>17/01/2021</a:t>
+              <a:t>26/02/2021</a:t>
             </a:fld>
             <a:endParaRPr lang="fr-FR"/>
           </a:p>
@@ -2277,7 +2275,7 @@
             <a:fld id="{A0E3AF4A-B52E-4BB6-915B-1EC466967BF3}" type="slidenum">
               <a:rPr lang="fr-FR" smtClean="0"/>
               <a:pPr/>
-              <a:t>‹N°›</a:t>
+              <a:t>‹#›</a:t>
             </a:fld>
             <a:endParaRPr lang="fr-FR"/>
           </a:p>
@@ -2333,10 +2331,9 @@
           </a:lstStyle>
           <a:p>
             <a:r>
-              <a:rPr lang="fr-FR" smtClean="0"/>
+              <a:rPr lang="fr-FR"/>
               <a:t>Cliquez pour modifier le style du titre</a:t>
             </a:r>
-            <a:endParaRPr lang="fr-FR"/>
           </a:p>
         </p:txBody>
       </p:sp>
@@ -2460,7 +2457,7 @@
           <a:p>
             <a:pPr lvl="0"/>
             <a:r>
-              <a:rPr lang="fr-FR" smtClean="0"/>
+              <a:rPr lang="fr-FR"/>
               <a:t>Cliquez pour modifier les styles du texte du masque</a:t>
             </a:r>
           </a:p>
@@ -2484,7 +2481,7 @@
             <a:fld id="{67AA1F29-F173-4379-92EF-EDF705BAA464}" type="datetimeFigureOut">
               <a:rPr lang="fr-FR" smtClean="0"/>
               <a:pPr/>
-              <a:t>17/01/2021</a:t>
+              <a:t>26/02/2021</a:t>
             </a:fld>
             <a:endParaRPr lang="fr-FR"/>
           </a:p>
@@ -2527,7 +2524,7 @@
             <a:fld id="{A0E3AF4A-B52E-4BB6-915B-1EC466967BF3}" type="slidenum">
               <a:rPr lang="fr-FR" smtClean="0"/>
               <a:pPr/>
-              <a:t>‹N°›</a:t>
+              <a:t>‹#›</a:t>
             </a:fld>
             <a:endParaRPr lang="fr-FR"/>
           </a:p>
@@ -2589,10 +2586,9 @@
           <a:lstStyle/>
           <a:p>
             <a:r>
-              <a:rPr lang="fr-FR" smtClean="0"/>
+              <a:rPr lang="fr-FR"/>
               <a:t>Cliquez pour modifier le style du titre</a:t>
             </a:r>
-            <a:endParaRPr lang="fr-FR"/>
           </a:p>
         </p:txBody>
       </p:sp>
@@ -2623,38 +2619,37 @@
           <a:p>
             <a:pPr lvl="0"/>
             <a:r>
-              <a:rPr lang="fr-FR" smtClean="0"/>
+              <a:rPr lang="fr-FR"/>
               <a:t>Cliquez pour modifier les styles du texte du masque</a:t>
             </a:r>
           </a:p>
           <a:p>
             <a:pPr lvl="1"/>
             <a:r>
-              <a:rPr lang="fr-FR" smtClean="0"/>
+              <a:rPr lang="fr-FR"/>
               <a:t>Deuxième niveau</a:t>
             </a:r>
           </a:p>
           <a:p>
             <a:pPr lvl="2"/>
             <a:r>
-              <a:rPr lang="fr-FR" smtClean="0"/>
+              <a:rPr lang="fr-FR"/>
               <a:t>Troisième niveau</a:t>
             </a:r>
           </a:p>
           <a:p>
             <a:pPr lvl="3"/>
             <a:r>
-              <a:rPr lang="fr-FR" smtClean="0"/>
+              <a:rPr lang="fr-FR"/>
               <a:t>Quatrième niveau</a:t>
             </a:r>
           </a:p>
           <a:p>
             <a:pPr lvl="4"/>
             <a:r>
-              <a:rPr lang="fr-FR" smtClean="0"/>
+              <a:rPr lang="fr-FR"/>
               <a:t>Cinquième niveau</a:t>
             </a:r>
-            <a:endParaRPr lang="fr-FR"/>
           </a:p>
         </p:txBody>
       </p:sp>
@@ -2694,7 +2689,7 @@
             <a:fld id="{67AA1F29-F173-4379-92EF-EDF705BAA464}" type="datetimeFigureOut">
               <a:rPr lang="fr-FR" smtClean="0"/>
               <a:pPr/>
-              <a:t>17/01/2021</a:t>
+              <a:t>26/02/2021</a:t>
             </a:fld>
             <a:endParaRPr lang="fr-FR"/>
           </a:p>
@@ -2773,7 +2768,7 @@
             <a:fld id="{A0E3AF4A-B52E-4BB6-915B-1EC466967BF3}" type="slidenum">
               <a:rPr lang="fr-FR" smtClean="0"/>
               <a:pPr/>
-              <a:t>‹N°›</a:t>
+              <a:t>‹#›</a:t>
             </a:fld>
             <a:endParaRPr lang="fr-FR"/>
           </a:p>
@@ -3083,26 +3078,25 @@
           <a:lstStyle/>
           <a:p>
             <a:r>
-              <a:rPr lang="fr-FR" dirty="0" smtClean="0"/>
+              <a:rPr lang="fr-FR" dirty="0"/>
               <a:t>Sujet 6 : En quoi consiste le métier d’</a:t>
             </a:r>
             <a:r>
-              <a:rPr lang="fr-FR" dirty="0" err="1" smtClean="0"/>
+              <a:rPr lang="fr-FR" dirty="0" err="1"/>
               <a:t>influenceur</a:t>
             </a:r>
             <a:r>
-              <a:rPr lang="fr-FR" dirty="0" smtClean="0"/>
+              <a:rPr lang="fr-FR" dirty="0"/>
               <a:t> et de </a:t>
             </a:r>
             <a:r>
-              <a:rPr lang="fr-FR" dirty="0" err="1" smtClean="0"/>
+              <a:rPr lang="fr-FR" dirty="0" err="1"/>
               <a:t>youtubeur</a:t>
             </a:r>
             <a:r>
-              <a:rPr lang="fr-FR" dirty="0" smtClean="0"/>
+              <a:rPr lang="fr-FR" dirty="0"/>
               <a:t> ?</a:t>
             </a:r>
-            <a:endParaRPr lang="fr-FR" dirty="0"/>
           </a:p>
         </p:txBody>
       </p:sp>
@@ -3122,10 +3116,9 @@
           <a:lstStyle/>
           <a:p>
             <a:r>
-              <a:rPr lang="fr-FR" dirty="0" smtClean="0"/>
+              <a:rPr lang="fr-FR" dirty="0"/>
               <a:t>Ange-Martine, Clémence, Samuel et Marianne</a:t>
             </a:r>
-            <a:endParaRPr lang="fr-FR" dirty="0"/>
           </a:p>
         </p:txBody>
       </p:sp>
@@ -3177,10 +3170,9 @@
           <a:lstStyle/>
           <a:p>
             <a:r>
-              <a:rPr lang="fr-FR" sz="2400" dirty="0" smtClean="0"/>
+              <a:rPr lang="fr-FR" sz="2400" dirty="0"/>
               <a:t>Répartition du travail</a:t>
             </a:r>
-            <a:endParaRPr lang="fr-FR" sz="2400" dirty="0"/>
           </a:p>
         </p:txBody>
       </p:sp>
@@ -3221,30 +3213,29 @@
           <a:p>
             <a:pPr algn="ctr"/>
             <a:r>
-              <a:rPr lang="fr-FR" sz="1000" dirty="0" smtClean="0"/>
+              <a:rPr lang="fr-FR" sz="1000" dirty="0"/>
               <a:t>En quoi </a:t>
             </a:r>
             <a:r>
-              <a:rPr lang="fr-FR" sz="1050" dirty="0" smtClean="0"/>
+              <a:rPr lang="fr-FR" sz="1050" dirty="0"/>
               <a:t>consiste le métier d’</a:t>
             </a:r>
             <a:r>
-              <a:rPr lang="fr-FR" sz="1050" dirty="0" err="1" smtClean="0"/>
+              <a:rPr lang="fr-FR" sz="1050" dirty="0" err="1"/>
               <a:t>influenceur</a:t>
             </a:r>
             <a:r>
-              <a:rPr lang="fr-FR" sz="1050" dirty="0" smtClean="0"/>
+              <a:rPr lang="fr-FR" sz="1050" dirty="0"/>
               <a:t> et de </a:t>
             </a:r>
             <a:r>
-              <a:rPr lang="fr-FR" sz="1050" dirty="0" err="1" smtClean="0"/>
+              <a:rPr lang="fr-FR" sz="1050" dirty="0" err="1"/>
               <a:t>youtubeur</a:t>
             </a:r>
             <a:r>
-              <a:rPr lang="fr-FR" sz="1050" dirty="0" smtClean="0"/>
+              <a:rPr lang="fr-FR" sz="1050" dirty="0"/>
               <a:t> ?</a:t>
             </a:r>
-            <a:endParaRPr lang="fr-FR" sz="1050" dirty="0"/>
           </a:p>
         </p:txBody>
       </p:sp>
@@ -3285,10 +3276,9 @@
           <a:p>
             <a:pPr algn="ctr"/>
             <a:r>
-              <a:rPr lang="fr-FR" sz="1200" dirty="0" smtClean="0"/>
+              <a:rPr lang="fr-FR" sz="1200" dirty="0"/>
               <a:t>Compétences, avantage et inconvénients, salaires</a:t>
             </a:r>
-            <a:endParaRPr lang="fr-FR" sz="1200" dirty="0"/>
           </a:p>
         </p:txBody>
       </p:sp>
@@ -3300,8 +3290,8 @@
         </p:nvSpPr>
         <p:spPr>
           <a:xfrm>
-            <a:off x="2339752" y="1268760"/>
-            <a:ext cx="1800200" cy="1008112"/>
+            <a:off x="2123728" y="1268760"/>
+            <a:ext cx="2016224" cy="1008112"/>
           </a:xfrm>
           <a:prstGeom prst="ellipse">
             <a:avLst/>
@@ -3329,10 +3319,9 @@
           <a:p>
             <a:pPr algn="ctr"/>
             <a:r>
-              <a:rPr lang="fr-FR" dirty="0" smtClean="0"/>
+              <a:rPr lang="fr-FR" dirty="0"/>
               <a:t>Introduction</a:t>
             </a:r>
-            <a:endParaRPr lang="fr-FR" dirty="0"/>
           </a:p>
         </p:txBody>
       </p:sp>
@@ -3373,10 +3362,9 @@
           <a:p>
             <a:pPr algn="ctr"/>
             <a:r>
-              <a:rPr lang="fr-FR" dirty="0" smtClean="0"/>
+              <a:rPr lang="fr-FR" dirty="0"/>
               <a:t>Léna Situations</a:t>
             </a:r>
-            <a:endParaRPr lang="fr-FR" dirty="0"/>
           </a:p>
         </p:txBody>
       </p:sp>
@@ -3417,11 +3405,11 @@
           <a:p>
             <a:pPr algn="ctr"/>
             <a:r>
-              <a:rPr lang="fr-FR" dirty="0" smtClean="0"/>
+              <a:rPr lang="fr-FR" dirty="0"/>
               <a:t>Kim </a:t>
             </a:r>
             <a:r>
-              <a:rPr lang="fr-FR" dirty="0" err="1" smtClean="0"/>
+              <a:rPr lang="fr-FR" dirty="0" err="1"/>
               <a:t>Kardashian</a:t>
             </a:r>
             <a:endParaRPr lang="fr-FR" dirty="0"/>
@@ -3465,10 +3453,9 @@
           <a:p>
             <a:pPr algn="ctr"/>
             <a:r>
-              <a:rPr lang="fr-FR" dirty="0" smtClean="0"/>
+              <a:rPr lang="fr-FR" dirty="0"/>
               <a:t>Conclusion</a:t>
             </a:r>
-            <a:endParaRPr lang="fr-FR" dirty="0"/>
           </a:p>
         </p:txBody>
       </p:sp>
@@ -3509,14 +3496,13 @@
           <a:p>
             <a:pPr algn="ctr"/>
             <a:r>
-              <a:rPr lang="fr-FR" dirty="0" err="1" smtClean="0"/>
+              <a:rPr lang="fr-FR" dirty="0" err="1"/>
               <a:t>Monty</a:t>
             </a:r>
             <a:r>
-              <a:rPr lang="fr-FR" dirty="0" smtClean="0"/>
+              <a:rPr lang="fr-FR" dirty="0"/>
               <a:t> Don</a:t>
             </a:r>
-            <a:endParaRPr lang="fr-FR" dirty="0"/>
           </a:p>
         </p:txBody>
       </p:sp>
@@ -3560,14 +3546,15 @@
         <p:nvCxnSpPr>
           <p:cNvPr id="17" name="Connecteur droit avec flèche 16"/>
           <p:cNvCxnSpPr>
+            <a:cxnSpLocks/>
             <a:endCxn id="7" idx="5"/>
           </p:cNvCxnSpPr>
           <p:nvPr/>
         </p:nvCxnSpPr>
         <p:spPr>
-          <a:xfrm flipV="1">
-            <a:off x="3851920" y="2129238"/>
-            <a:ext cx="24399" cy="939722"/>
+          <a:xfrm flipH="1" flipV="1">
+            <a:off x="3844683" y="2129237"/>
+            <a:ext cx="7238" cy="939724"/>
           </a:xfrm>
           <a:prstGeom prst="straightConnector1">
             <a:avLst/>
@@ -3758,10 +3745,9 @@
           <a:lstStyle/>
           <a:p>
             <a:r>
-              <a:rPr lang="fr-FR" sz="1200" dirty="0" smtClean="0"/>
+              <a:rPr lang="fr-FR" sz="1200" dirty="0"/>
               <a:t>Marianne</a:t>
             </a:r>
-            <a:endParaRPr lang="fr-FR" sz="1200" dirty="0"/>
           </a:p>
         </p:txBody>
       </p:sp>
@@ -3807,30 +3793,26 @@
           <a:p>
             <a:pPr algn="ctr"/>
             <a:r>
-              <a:rPr lang="fr-FR" sz="1200" dirty="0" smtClean="0"/>
+              <a:rPr lang="fr-FR" sz="1200" dirty="0"/>
               <a:t>Création d’un compte </a:t>
             </a:r>
             <a:r>
               <a:rPr lang="fr-FR" sz="1200" dirty="0" err="1"/>
-              <a:t>I</a:t>
-            </a:r>
-            <a:r>
-              <a:rPr lang="fr-FR" sz="1200" dirty="0" err="1" smtClean="0"/>
-              <a:t>nstagram</a:t>
-            </a:r>
-            <a:r>
-              <a:rPr lang="fr-FR" sz="1200" dirty="0" smtClean="0"/>
+              <a:t>Instagram</a:t>
+            </a:r>
+            <a:r>
+              <a:rPr lang="fr-FR" sz="1200" dirty="0"/>
               <a:t> pour « s e mettre dans la peau »</a:t>
             </a:r>
           </a:p>
           <a:p>
             <a:pPr algn="ctr"/>
             <a:r>
-              <a:rPr lang="fr-FR" sz="1200" u="sng" dirty="0" smtClean="0"/>
+              <a:rPr lang="fr-FR" sz="1200" u="sng" dirty="0"/>
               <a:t>@</a:t>
             </a:r>
             <a:r>
-              <a:rPr lang="fr-FR" sz="1200" u="sng" dirty="0" err="1" smtClean="0"/>
+              <a:rPr lang="fr-FR" sz="1200" u="sng" dirty="0" err="1"/>
               <a:t>thestudyplant</a:t>
             </a:r>
             <a:endParaRPr lang="fr-FR" sz="1200" u="sng" dirty="0"/>
@@ -3860,35 +3842,35 @@
           <a:lstStyle/>
           <a:p>
             <a:r>
-              <a:rPr lang="fr-FR" sz="1100" dirty="0" smtClean="0"/>
+              <a:rPr lang="fr-FR" sz="1100" dirty="0"/>
               <a:t>Permet de voir comment attirer l’attention sur les réseaux (</a:t>
             </a:r>
             <a:r>
-              <a:rPr lang="fr-FR" sz="1100" dirty="0" err="1" smtClean="0"/>
+              <a:rPr lang="fr-FR" sz="1100" dirty="0" err="1"/>
               <a:t>hashtags</a:t>
             </a:r>
             <a:r>
-              <a:rPr lang="fr-FR" sz="1100" dirty="0" smtClean="0"/>
+              <a:rPr lang="fr-FR" sz="1100" dirty="0"/>
               <a:t>, tags, </a:t>
             </a:r>
             <a:r>
-              <a:rPr lang="fr-FR" sz="1100" dirty="0" err="1" smtClean="0"/>
+              <a:rPr lang="fr-FR" sz="1100" dirty="0" err="1"/>
               <a:t>likes</a:t>
             </a:r>
             <a:r>
-              <a:rPr lang="fr-FR" sz="1100" dirty="0" smtClean="0"/>
+              <a:rPr lang="fr-FR" sz="1100" dirty="0"/>
               <a:t>, </a:t>
             </a:r>
             <a:r>
-              <a:rPr lang="fr-FR" sz="1100" dirty="0" err="1" smtClean="0"/>
+              <a:rPr lang="fr-FR" sz="1100" dirty="0" err="1"/>
               <a:t>follows</a:t>
             </a:r>
             <a:r>
-              <a:rPr lang="fr-FR" sz="1100" dirty="0" smtClean="0"/>
+              <a:rPr lang="fr-FR" sz="1100" dirty="0"/>
               <a:t>, commentaires…) et d’évaluer la charge de travail et les compétences requises des </a:t>
             </a:r>
             <a:r>
-              <a:rPr lang="fr-FR" sz="1100" dirty="0" err="1" smtClean="0"/>
+              <a:rPr lang="fr-FR" sz="1100" dirty="0" err="1"/>
               <a:t>influenceurs</a:t>
             </a:r>
             <a:endParaRPr lang="fr-FR" sz="1100" dirty="0"/>
@@ -3918,10 +3900,9 @@
           <a:lstStyle/>
           <a:p>
             <a:r>
-              <a:rPr lang="fr-FR" sz="1200" dirty="0" smtClean="0"/>
+              <a:rPr lang="fr-FR" sz="1200" dirty="0"/>
               <a:t>Clémence</a:t>
             </a:r>
-            <a:endParaRPr lang="fr-FR" sz="1200" dirty="0"/>
           </a:p>
         </p:txBody>
       </p:sp>
@@ -3948,10 +3929,9 @@
           <a:lstStyle/>
           <a:p>
             <a:r>
-              <a:rPr lang="fr-FR" sz="1200" dirty="0" smtClean="0"/>
+              <a:rPr lang="fr-FR" sz="1200" dirty="0"/>
               <a:t>Samuel</a:t>
             </a:r>
-            <a:endParaRPr lang="fr-FR" sz="1200" dirty="0"/>
           </a:p>
         </p:txBody>
       </p:sp>
@@ -3978,10 +3958,9 @@
           <a:lstStyle/>
           <a:p>
             <a:r>
-              <a:rPr lang="fr-FR" sz="1200" dirty="0" smtClean="0"/>
+              <a:rPr lang="fr-FR" sz="1200" dirty="0"/>
               <a:t>Ange-Martine</a:t>
             </a:r>
-            <a:endParaRPr lang="fr-FR" sz="1200" dirty="0"/>
           </a:p>
         </p:txBody>
       </p:sp>
@@ -4026,10 +4005,9 @@
           <a:lstStyle/>
           <a:p>
             <a:r>
-              <a:rPr lang="fr-FR" dirty="0" smtClean="0"/>
+              <a:rPr lang="fr-FR" dirty="0"/>
               <a:t>Léna Situations</a:t>
             </a:r>
-            <a:endParaRPr lang="fr-FR" dirty="0"/>
           </a:p>
         </p:txBody>
       </p:sp>
@@ -4051,136 +4029,120 @@
           <a:lstStyle/>
           <a:p>
             <a:r>
-              <a:rPr lang="fr-FR" sz="1600" dirty="0" smtClean="0"/>
+              <a:rPr lang="fr-FR" sz="1600" dirty="0"/>
               <a:t> vidéaste web, </a:t>
             </a:r>
             <a:r>
-              <a:rPr lang="fr-FR" sz="1600" dirty="0" err="1" smtClean="0"/>
+              <a:rPr lang="fr-FR" sz="1600" dirty="0" err="1"/>
               <a:t>blogueuse</a:t>
             </a:r>
             <a:r>
-              <a:rPr lang="fr-FR" sz="1600" dirty="0" smtClean="0"/>
+              <a:rPr lang="fr-FR" sz="1600" dirty="0"/>
               <a:t>, </a:t>
             </a:r>
             <a:r>
-              <a:rPr lang="fr-FR" sz="1600" dirty="0" err="1" smtClean="0"/>
+              <a:rPr lang="fr-FR" sz="1600" dirty="0" err="1"/>
               <a:t>influenceuse</a:t>
             </a:r>
             <a:r>
-              <a:rPr lang="fr-FR" sz="1600" dirty="0" smtClean="0"/>
-              <a:t> française, née le 19 novembre </a:t>
-            </a:r>
-            <a:r>
-              <a:rPr lang="fr-FR" sz="1600" dirty="0" smtClean="0"/>
-              <a:t>1997</a:t>
-            </a:r>
-          </a:p>
-          <a:p>
-            <a:r>
-              <a:rPr lang="fr-FR" sz="1600" dirty="0" smtClean="0"/>
+              <a:rPr lang="fr-FR" sz="1600" dirty="0"/>
+              <a:t> française, née le 19 novembre 1997</a:t>
+            </a:r>
+          </a:p>
+          <a:p>
+            <a:r>
+              <a:rPr lang="fr-FR" sz="1600" dirty="0"/>
               <a:t>1.7M d’abonnés sur </a:t>
             </a:r>
             <a:r>
-              <a:rPr lang="fr-FR" sz="1600" dirty="0" err="1" smtClean="0"/>
+              <a:rPr lang="fr-FR" sz="1600" dirty="0" err="1"/>
               <a:t>Youtube</a:t>
             </a:r>
             <a:r>
-              <a:rPr lang="fr-FR" sz="1600" dirty="0" smtClean="0"/>
+              <a:rPr lang="fr-FR" sz="1600" dirty="0"/>
               <a:t>; 2.8M sur </a:t>
             </a:r>
             <a:r>
-              <a:rPr lang="fr-FR" sz="1600" dirty="0" err="1" smtClean="0"/>
+              <a:rPr lang="fr-FR" sz="1600" dirty="0" err="1"/>
               <a:t>Instagram</a:t>
             </a:r>
             <a:r>
-              <a:rPr lang="fr-FR" sz="1600" dirty="0" smtClean="0"/>
+              <a:rPr lang="fr-FR" sz="1600" dirty="0"/>
               <a:t>; </a:t>
             </a:r>
           </a:p>
           <a:p>
             <a:r>
-              <a:rPr lang="fr-FR" sz="1600" dirty="0" smtClean="0"/>
+              <a:rPr lang="fr-FR" sz="1600" dirty="0"/>
               <a:t>Vidéos mode, astuces beauté et « </a:t>
             </a:r>
             <a:r>
-              <a:rPr lang="fr-FR" sz="1600" dirty="0" err="1" smtClean="0"/>
+              <a:rPr lang="fr-FR" sz="1600" dirty="0" err="1"/>
               <a:t>lifestyle</a:t>
             </a:r>
             <a:r>
-              <a:rPr lang="fr-FR" sz="1600" dirty="0" smtClean="0"/>
+              <a:rPr lang="fr-FR" sz="1600" dirty="0"/>
               <a:t> »</a:t>
             </a:r>
           </a:p>
           <a:p>
             <a:r>
-              <a:rPr lang="fr-FR" sz="1600" dirty="0" smtClean="0"/>
+              <a:rPr lang="fr-FR" sz="1600" dirty="0"/>
               <a:t>Collaboration avec des grandes marques (</a:t>
             </a:r>
             <a:r>
-              <a:rPr lang="fr-FR" sz="1600" dirty="0" err="1" smtClean="0"/>
+              <a:rPr lang="fr-FR" sz="1600" dirty="0" err="1"/>
               <a:t>Jennyfer</a:t>
             </a:r>
             <a:r>
-              <a:rPr lang="fr-FR" sz="1600" dirty="0" smtClean="0"/>
+              <a:rPr lang="fr-FR" sz="1600" dirty="0"/>
               <a:t>)</a:t>
             </a:r>
           </a:p>
           <a:p>
             <a:r>
-              <a:rPr lang="fr-FR" sz="1600" dirty="0" smtClean="0"/>
+              <a:rPr lang="fr-FR" sz="1600" dirty="0"/>
               <a:t>En septembre 2020 elle sort un livre de développement personnel intitulé « Toujours plus »</a:t>
             </a:r>
           </a:p>
           <a:p>
             <a:r>
-              <a:rPr lang="fr-FR" sz="1600" dirty="0" smtClean="0"/>
+              <a:rPr lang="fr-FR" sz="1600" dirty="0"/>
               <a:t>Gagne le titre « </a:t>
             </a:r>
             <a:r>
-              <a:rPr lang="fr-FR" sz="1600" dirty="0" err="1" smtClean="0"/>
+              <a:rPr lang="fr-FR" sz="1600" dirty="0" err="1"/>
               <a:t>influenceuse</a:t>
             </a:r>
             <a:r>
-              <a:rPr lang="fr-FR" sz="1600" dirty="0" smtClean="0"/>
-              <a:t> pop-culture française de </a:t>
-            </a:r>
-            <a:r>
-              <a:rPr lang="fr-FR" sz="1600" dirty="0" smtClean="0"/>
-              <a:t>l'année » en 2019 et « </a:t>
-            </a:r>
-            <a:r>
-              <a:rPr lang="fr-FR" sz="1600" dirty="0" smtClean="0"/>
-              <a:t>Social Star </a:t>
-            </a:r>
-            <a:r>
-              <a:rPr lang="fr-FR" sz="1600" dirty="0" smtClean="0"/>
-              <a:t>France » en 2020 des Peoples </a:t>
-            </a:r>
-            <a:r>
-              <a:rPr lang="fr-FR" sz="1600" dirty="0" err="1" smtClean="0"/>
+              <a:rPr lang="fr-FR" sz="1600" dirty="0"/>
+              <a:t> pop-culture française de l'année » en 2019 et « Social Star France » en 2020 des Peoples </a:t>
+            </a:r>
+            <a:r>
+              <a:rPr lang="fr-FR" sz="1600" dirty="0" err="1"/>
               <a:t>Choice</a:t>
             </a:r>
             <a:r>
-              <a:rPr lang="fr-FR" sz="1600" dirty="0" smtClean="0"/>
+              <a:rPr lang="fr-FR" sz="1600" dirty="0"/>
               <a:t> </a:t>
             </a:r>
             <a:r>
-              <a:rPr lang="fr-FR" sz="1600" dirty="0" err="1" smtClean="0"/>
+              <a:rPr lang="fr-FR" sz="1600" dirty="0" err="1"/>
               <a:t>Awards</a:t>
             </a:r>
-            <a:endParaRPr lang="fr-FR" sz="1600" dirty="0" smtClean="0"/>
-          </a:p>
-          <a:p>
-            <a:r>
-              <a:rPr lang="fr-FR" sz="1600" dirty="0" smtClean="0"/>
+            <a:endParaRPr lang="fr-FR" sz="1600" dirty="0"/>
+          </a:p>
+          <a:p>
+            <a:r>
+              <a:rPr lang="fr-FR" sz="1600" dirty="0"/>
               <a:t>Salaire: à vérifier </a:t>
             </a:r>
           </a:p>
           <a:p>
-            <a:endParaRPr lang="fr-FR" sz="1600" dirty="0" smtClean="0"/>
-          </a:p>
-          <a:p>
-            <a:endParaRPr lang="fr-FR" sz="1600" dirty="0" smtClean="0"/>
+            <a:endParaRPr lang="fr-FR" sz="1600" dirty="0"/>
+          </a:p>
+          <a:p>
+            <a:endParaRPr lang="fr-FR" sz="1600" dirty="0"/>
           </a:p>
         </p:txBody>
       </p:sp>
@@ -4225,14 +4187,13 @@
           <a:lstStyle/>
           <a:p>
             <a:r>
-              <a:rPr lang="fr-FR" dirty="0" err="1" smtClean="0"/>
+              <a:rPr lang="fr-FR" dirty="0" err="1"/>
               <a:t>Monty</a:t>
             </a:r>
             <a:r>
-              <a:rPr lang="fr-FR" dirty="0" smtClean="0"/>
+              <a:rPr lang="fr-FR" dirty="0"/>
               <a:t> Don</a:t>
             </a:r>
-            <a:endParaRPr lang="fr-FR" dirty="0"/>
           </a:p>
         </p:txBody>
       </p:sp>
@@ -4254,171 +4215,170 @@
           <a:lstStyle/>
           <a:p>
             <a:r>
-              <a:rPr lang="fr-FR" sz="1600" dirty="0" smtClean="0"/>
+              <a:rPr lang="fr-FR" sz="1600" dirty="0"/>
               <a:t>Jardinier anglais, né le 8 juillet 1955</a:t>
             </a:r>
           </a:p>
           <a:p>
             <a:r>
-              <a:rPr lang="fr-FR" sz="1600" dirty="0" smtClean="0"/>
+              <a:rPr lang="fr-FR" sz="1600" dirty="0"/>
               <a:t>717K </a:t>
             </a:r>
             <a:r>
-              <a:rPr lang="fr-FR" sz="1600" dirty="0" err="1" smtClean="0"/>
+              <a:rPr lang="fr-FR" sz="1600" dirty="0" err="1"/>
               <a:t>followers</a:t>
             </a:r>
             <a:r>
-              <a:rPr lang="fr-FR" sz="1600" dirty="0" smtClean="0"/>
+              <a:rPr lang="fr-FR" sz="1600" dirty="0"/>
               <a:t> sur </a:t>
             </a:r>
             <a:r>
-              <a:rPr lang="fr-FR" sz="1600" dirty="0" err="1" smtClean="0"/>
+              <a:rPr lang="fr-FR" sz="1600" dirty="0" err="1"/>
               <a:t>Instagram</a:t>
             </a:r>
-            <a:endParaRPr lang="fr-FR" sz="1600" dirty="0" smtClean="0"/>
-          </a:p>
-          <a:p>
-            <a:r>
-              <a:rPr lang="fr-FR" sz="1600" dirty="0" smtClean="0"/>
+            <a:endParaRPr lang="fr-FR" sz="1600" dirty="0"/>
+          </a:p>
+          <a:p>
+            <a:r>
+              <a:rPr lang="fr-FR" sz="1600" dirty="0"/>
               <a:t>Présentateur TV du programme « </a:t>
             </a:r>
             <a:r>
-              <a:rPr lang="fr-FR" sz="1600" dirty="0" err="1" smtClean="0"/>
+              <a:rPr lang="fr-FR" sz="1600" dirty="0" err="1"/>
               <a:t>Gardener’s</a:t>
             </a:r>
             <a:r>
-              <a:rPr lang="fr-FR" sz="1600" dirty="0" smtClean="0"/>
+              <a:rPr lang="fr-FR" sz="1600" dirty="0"/>
               <a:t> World » sur BBC et créateur de ses propres séries (</a:t>
             </a:r>
             <a:r>
-              <a:rPr lang="fr-FR" sz="1600" dirty="0" err="1" smtClean="0"/>
+              <a:rPr lang="fr-FR" sz="1600" dirty="0" err="1"/>
               <a:t>Monty</a:t>
             </a:r>
             <a:r>
-              <a:rPr lang="fr-FR" sz="1600" dirty="0" smtClean="0"/>
+              <a:rPr lang="fr-FR" sz="1600" dirty="0"/>
               <a:t> </a:t>
             </a:r>
             <a:r>
-              <a:rPr lang="fr-FR" sz="1600" dirty="0" err="1" smtClean="0"/>
+              <a:rPr lang="fr-FR" sz="1600" dirty="0" err="1"/>
               <a:t>Don’s</a:t>
             </a:r>
             <a:r>
-              <a:rPr lang="fr-FR" sz="1600" dirty="0" smtClean="0"/>
+              <a:rPr lang="fr-FR" sz="1600" dirty="0"/>
               <a:t> </a:t>
             </a:r>
             <a:r>
-              <a:rPr lang="fr-FR" sz="1600" dirty="0" err="1" smtClean="0"/>
+              <a:rPr lang="fr-FR" sz="1600" dirty="0" err="1"/>
               <a:t>Italian</a:t>
             </a:r>
             <a:r>
-              <a:rPr lang="fr-FR" sz="1600" dirty="0" smtClean="0"/>
+              <a:rPr lang="fr-FR" sz="1600" dirty="0"/>
               <a:t> </a:t>
             </a:r>
             <a:r>
-              <a:rPr lang="fr-FR" sz="1600" dirty="0" err="1" smtClean="0"/>
+              <a:rPr lang="fr-FR" sz="1600" dirty="0" err="1"/>
               <a:t>Gardens</a:t>
             </a:r>
             <a:r>
-              <a:rPr lang="fr-FR" sz="1600" dirty="0" smtClean="0"/>
+              <a:rPr lang="fr-FR" sz="1600" dirty="0"/>
               <a:t>, </a:t>
             </a:r>
             <a:r>
-              <a:rPr lang="fr-FR" sz="1600" dirty="0" err="1" smtClean="0"/>
+              <a:rPr lang="fr-FR" sz="1600" dirty="0" err="1"/>
               <a:t>Monty</a:t>
             </a:r>
             <a:r>
-              <a:rPr lang="fr-FR" sz="1600" dirty="0" smtClean="0"/>
+              <a:rPr lang="fr-FR" sz="1600" dirty="0"/>
               <a:t> </a:t>
             </a:r>
             <a:r>
-              <a:rPr lang="fr-FR" sz="1600" dirty="0" err="1" smtClean="0"/>
+              <a:rPr lang="fr-FR" sz="1600" dirty="0" err="1"/>
               <a:t>Don’s</a:t>
             </a:r>
             <a:r>
-              <a:rPr lang="fr-FR" sz="1600" dirty="0" smtClean="0"/>
+              <a:rPr lang="fr-FR" sz="1600" dirty="0"/>
               <a:t> French </a:t>
             </a:r>
             <a:r>
-              <a:rPr lang="fr-FR" sz="1600" dirty="0" err="1" smtClean="0"/>
+              <a:rPr lang="fr-FR" sz="1600" dirty="0" err="1"/>
               <a:t>Gardens</a:t>
             </a:r>
             <a:r>
-              <a:rPr lang="fr-FR" sz="1600" dirty="0" smtClean="0"/>
+              <a:rPr lang="fr-FR" sz="1600" dirty="0"/>
               <a:t>, The Secret </a:t>
             </a:r>
             <a:r>
-              <a:rPr lang="fr-FR" sz="1600" dirty="0" err="1" smtClean="0"/>
+              <a:rPr lang="fr-FR" sz="1600" dirty="0" err="1"/>
               <a:t>History</a:t>
             </a:r>
             <a:r>
-              <a:rPr lang="fr-FR" sz="1600" dirty="0" smtClean="0"/>
+              <a:rPr lang="fr-FR" sz="1600" dirty="0"/>
               <a:t> of the British Garden…)</a:t>
             </a:r>
           </a:p>
           <a:p>
             <a:r>
-              <a:rPr lang="fr-FR" sz="1600" dirty="0" smtClean="0"/>
+              <a:rPr lang="fr-FR" sz="1600" dirty="0"/>
               <a:t>Ecrivain</a:t>
             </a:r>
           </a:p>
           <a:p>
             <a:r>
-              <a:rPr lang="fr-FR" sz="1600" dirty="0" smtClean="0"/>
+              <a:rPr lang="fr-FR" sz="1600" dirty="0"/>
               <a:t>A été président du « </a:t>
             </a:r>
             <a:r>
-              <a:rPr lang="fr-FR" sz="1600" dirty="0" err="1" smtClean="0"/>
+              <a:rPr lang="fr-FR" sz="1600" dirty="0" err="1"/>
               <a:t>Soil</a:t>
             </a:r>
             <a:r>
-              <a:rPr lang="fr-FR" sz="1600" dirty="0" smtClean="0"/>
+              <a:rPr lang="fr-FR" sz="1600" dirty="0"/>
               <a:t> Association »(2008 à 2016) et sponsorise l’association « </a:t>
             </a:r>
             <a:r>
-              <a:rPr lang="fr-FR" sz="1600" dirty="0" err="1" smtClean="0"/>
+              <a:rPr lang="fr-FR" sz="1600" dirty="0" err="1"/>
               <a:t>Bees</a:t>
             </a:r>
             <a:r>
-              <a:rPr lang="fr-FR" sz="1600" dirty="0" smtClean="0"/>
+              <a:rPr lang="fr-FR" sz="1600" dirty="0"/>
               <a:t> for </a:t>
             </a:r>
             <a:r>
-              <a:rPr lang="fr-FR" sz="1600" dirty="0" err="1" smtClean="0"/>
+              <a:rPr lang="fr-FR" sz="1600" dirty="0" err="1"/>
               <a:t>Development</a:t>
             </a:r>
             <a:r>
-              <a:rPr lang="fr-FR" sz="1600" dirty="0" smtClean="0"/>
+              <a:rPr lang="fr-FR" sz="1600" dirty="0"/>
               <a:t> »</a:t>
             </a:r>
           </a:p>
           <a:p>
             <a:r>
-              <a:rPr lang="fr-FR" sz="1600" dirty="0" smtClean="0"/>
+              <a:rPr lang="fr-FR" sz="1600" dirty="0"/>
               <a:t>A été fait « </a:t>
             </a:r>
             <a:r>
-              <a:rPr lang="fr-FR" sz="1600" dirty="0" err="1" smtClean="0"/>
+              <a:rPr lang="fr-FR" sz="1600" dirty="0" err="1"/>
               <a:t>Officer</a:t>
             </a:r>
             <a:r>
-              <a:rPr lang="fr-FR" sz="1600" dirty="0" smtClean="0"/>
+              <a:rPr lang="fr-FR" sz="1600" dirty="0"/>
               <a:t> of the </a:t>
             </a:r>
             <a:r>
-              <a:rPr lang="fr-FR" sz="1600" dirty="0" err="1" smtClean="0"/>
+              <a:rPr lang="fr-FR" sz="1600" dirty="0" err="1"/>
               <a:t>Order</a:t>
             </a:r>
             <a:r>
-              <a:rPr lang="fr-FR" sz="1600" dirty="0" smtClean="0"/>
+              <a:rPr lang="fr-FR" sz="1600" dirty="0"/>
               <a:t> of the British Empire »</a:t>
             </a:r>
           </a:p>
           <a:p>
             <a:r>
-              <a:rPr lang="fr-FR" sz="1600" dirty="0" smtClean="0"/>
+              <a:rPr lang="fr-FR" sz="1600" dirty="0"/>
               <a:t>Salaire: à vérifier</a:t>
             </a:r>
-            <a:endParaRPr lang="fr-FR" sz="1600" dirty="0"/>
           </a:p>
         </p:txBody>
       </p:sp>
@@ -4463,11 +4423,11 @@
           <a:lstStyle/>
           <a:p>
             <a:r>
-              <a:rPr lang="fr-FR" dirty="0" smtClean="0"/>
+              <a:rPr lang="fr-FR" dirty="0"/>
               <a:t>Kim </a:t>
             </a:r>
             <a:r>
-              <a:rPr lang="fr-FR" dirty="0" err="1" smtClean="0"/>
+              <a:rPr lang="fr-FR" dirty="0" err="1"/>
               <a:t>Kardashian</a:t>
             </a:r>
             <a:endParaRPr lang="fr-FR" dirty="0"/>
@@ -4492,100 +4452,79 @@
           <a:lstStyle/>
           <a:p>
             <a:r>
-              <a:rPr lang="fr-FR" sz="1600" dirty="0" smtClean="0"/>
-              <a:t>Née le </a:t>
-            </a:r>
-            <a:r>
-              <a:rPr lang="fr-FR" sz="1600" dirty="0" smtClean="0"/>
-              <a:t>21 octobre </a:t>
-            </a:r>
-            <a:r>
-              <a:rPr lang="fr-FR" sz="1600" dirty="0" smtClean="0"/>
-              <a:t>1980</a:t>
-            </a:r>
-          </a:p>
-          <a:p>
-            <a:r>
-              <a:rPr lang="fr-FR" sz="1600" dirty="0" smtClean="0"/>
-              <a:t>personnalité </a:t>
-            </a:r>
-            <a:r>
-              <a:rPr lang="fr-FR" sz="1600" dirty="0" smtClean="0"/>
-              <a:t>médiatique, femme d'affaires, productrice, styliste et animatrice de télévision </a:t>
-            </a:r>
-            <a:r>
-              <a:rPr lang="fr-FR" sz="1600" dirty="0" smtClean="0"/>
-              <a:t>américaine</a:t>
-            </a:r>
-          </a:p>
-          <a:p>
-            <a:r>
-              <a:rPr lang="fr-FR" sz="1600" dirty="0" smtClean="0"/>
+              <a:rPr lang="fr-FR" sz="1600" dirty="0"/>
+              <a:t>Née le 21 octobre 1980</a:t>
+            </a:r>
+          </a:p>
+          <a:p>
+            <a:r>
+              <a:rPr lang="fr-FR" sz="1600" dirty="0"/>
+              <a:t>personnalité médiatique, femme d'affaires, productrice, styliste et animatrice de télévision américaine</a:t>
+            </a:r>
+          </a:p>
+          <a:p>
+            <a:r>
+              <a:rPr lang="fr-FR" sz="1600" dirty="0"/>
               <a:t>200M abonnés sur </a:t>
             </a:r>
             <a:r>
-              <a:rPr lang="fr-FR" sz="1600" dirty="0" err="1" smtClean="0"/>
+              <a:rPr lang="fr-FR" sz="1600" dirty="0" err="1"/>
               <a:t>Instagram</a:t>
             </a:r>
             <a:r>
-              <a:rPr lang="fr-FR" sz="1600" dirty="0" smtClean="0"/>
+              <a:rPr lang="fr-FR" sz="1600" dirty="0"/>
               <a:t>; </a:t>
             </a:r>
           </a:p>
           <a:p>
             <a:r>
-              <a:rPr lang="fr-FR" sz="1600" dirty="0" smtClean="0"/>
+              <a:rPr lang="fr-FR" sz="1600" dirty="0"/>
               <a:t>Emission de </a:t>
             </a:r>
             <a:r>
-              <a:rPr lang="fr-FR" sz="1600" dirty="0" err="1" smtClean="0"/>
+              <a:rPr lang="fr-FR" sz="1600" dirty="0" err="1"/>
               <a:t>télé-réalité</a:t>
             </a:r>
             <a:r>
-              <a:rPr lang="fr-FR" sz="1600" dirty="0" smtClean="0"/>
+              <a:rPr lang="fr-FR" sz="1600" dirty="0"/>
               <a:t> « </a:t>
             </a:r>
             <a:r>
-              <a:rPr lang="fr-FR" sz="1600" dirty="0" err="1" smtClean="0"/>
+              <a:rPr lang="fr-FR" sz="1600" dirty="0" err="1"/>
               <a:t>Keeping</a:t>
             </a:r>
             <a:r>
-              <a:rPr lang="fr-FR" sz="1600" dirty="0" smtClean="0"/>
-              <a:t> </a:t>
-            </a:r>
-            <a:r>
-              <a:rPr lang="fr-FR" sz="1600" dirty="0" smtClean="0"/>
-              <a:t>Up </a:t>
-            </a:r>
-            <a:r>
-              <a:rPr lang="fr-FR" sz="1600" dirty="0" err="1" smtClean="0"/>
+              <a:rPr lang="fr-FR" sz="1600" dirty="0"/>
+              <a:t> Up </a:t>
+            </a:r>
+            <a:r>
+              <a:rPr lang="fr-FR" sz="1600" dirty="0" err="1"/>
               <a:t>with</a:t>
             </a:r>
             <a:r>
-              <a:rPr lang="fr-FR" sz="1600" dirty="0" smtClean="0"/>
+              <a:rPr lang="fr-FR" sz="1600" dirty="0"/>
               <a:t> the </a:t>
             </a:r>
             <a:r>
-              <a:rPr lang="fr-FR" sz="1600" dirty="0" err="1" smtClean="0"/>
+              <a:rPr lang="fr-FR" sz="1600" dirty="0" err="1"/>
               <a:t>Kardashians</a:t>
             </a:r>
             <a:r>
-              <a:rPr lang="fr-FR" sz="1600" dirty="0" smtClean="0"/>
+              <a:rPr lang="fr-FR" sz="1600" dirty="0"/>
               <a:t> »</a:t>
             </a:r>
           </a:p>
           <a:p>
             <a:r>
-              <a:rPr lang="fr-FR" sz="1600" dirty="0" smtClean="0"/>
+              <a:rPr lang="fr-FR" sz="1600" dirty="0"/>
               <a:t>Lance des collections de vêtements, de maquillage et de produits de beauté (SKIMS; KKW BEAUTY)</a:t>
             </a:r>
           </a:p>
           <a:p>
             <a:r>
-              <a:rPr lang="fr-FR" sz="1600" dirty="0" smtClean="0"/>
+              <a:rPr lang="fr-FR" sz="1600" dirty="0"/>
               <a:t>Salaire: à vérifier</a:t>
             </a:r>
-            <a:endParaRPr lang="fr-FR" sz="1600" dirty="0"/>
           </a:p>
         </p:txBody>
       </p:sp>
@@ -4637,11 +4576,11 @@
           <a:lstStyle/>
           <a:p>
             <a:r>
-              <a:rPr lang="fr-FR" dirty="0" smtClean="0"/>
+              <a:rPr lang="fr-FR" dirty="0"/>
               <a:t>Compétences, avantage et inconvénients, salaires</a:t>
             </a:r>
             <a:br>
-              <a:rPr lang="fr-FR" dirty="0" smtClean="0"/>
+              <a:rPr lang="fr-FR" dirty="0"/>
             </a:br>
             <a:endParaRPr lang="fr-FR" dirty="0"/>
           </a:p>
@@ -4663,98 +4602,94 @@
           <a:lstStyle/>
           <a:p>
             <a:r>
-              <a:rPr lang="fr-FR" sz="2000" dirty="0" smtClean="0"/>
+              <a:rPr lang="fr-FR" sz="2000" dirty="0"/>
               <a:t>Compétences:</a:t>
             </a:r>
             <a:r>
-              <a:rPr lang="fr-FR" dirty="0" smtClean="0"/>
+              <a:rPr lang="fr-FR" dirty="0"/>
               <a:t> </a:t>
             </a:r>
             <a:r>
-              <a:rPr lang="fr-FR" sz="1400" b="1" dirty="0" smtClean="0"/>
+              <a:rPr lang="fr-FR" sz="1400" b="1" dirty="0"/>
               <a:t>dédié </a:t>
             </a:r>
             <a:r>
-              <a:rPr lang="fr-FR" sz="1400" dirty="0" smtClean="0"/>
+              <a:rPr lang="fr-FR" sz="1400" dirty="0"/>
               <a:t>(créer du contenu prend beaucoup de temps, les photos doivent être de bonne qualité et le contenu doit être intéressant; cela </a:t>
             </a:r>
             <a:r>
-              <a:rPr lang="fr-FR" sz="1400" dirty="0" err="1" smtClean="0"/>
+              <a:rPr lang="fr-FR" sz="1400" dirty="0" err="1"/>
               <a:t>nécéssite</a:t>
             </a:r>
             <a:r>
-              <a:rPr lang="fr-FR" sz="1400" dirty="0" smtClean="0"/>
+              <a:rPr lang="fr-FR" sz="1400" dirty="0"/>
               <a:t> du temps de préparation</a:t>
             </a:r>
             <a:r>
-              <a:rPr lang="fr-FR" sz="1400" b="1" dirty="0" smtClean="0"/>
+              <a:rPr lang="fr-FR" sz="1400" b="1" dirty="0"/>
               <a:t>), très actif </a:t>
             </a:r>
             <a:r>
-              <a:rPr lang="fr-FR" sz="1400" dirty="0" smtClean="0"/>
+              <a:rPr lang="fr-FR" sz="1400" dirty="0"/>
               <a:t>( il faut poster régulièrement, répondre aux commentaires pour être « aimé » de son public), </a:t>
             </a:r>
             <a:r>
-              <a:rPr lang="fr-FR" sz="1400" b="1" dirty="0" smtClean="0"/>
+              <a:rPr lang="fr-FR" sz="1400" b="1" dirty="0"/>
               <a:t>patient</a:t>
             </a:r>
             <a:r>
-              <a:rPr lang="fr-FR" sz="1400" dirty="0" smtClean="0"/>
+              <a:rPr lang="fr-FR" sz="1400" dirty="0"/>
               <a:t>, </a:t>
             </a:r>
             <a:r>
-              <a:rPr lang="fr-FR" sz="1400" b="1" dirty="0" smtClean="0"/>
+              <a:rPr lang="fr-FR" sz="1400" b="1" dirty="0"/>
               <a:t>curieux</a:t>
             </a:r>
             <a:r>
-              <a:rPr lang="fr-FR" sz="1400" dirty="0" smtClean="0"/>
+              <a:rPr lang="fr-FR" sz="1400" dirty="0"/>
               <a:t> (chercher quels types de </a:t>
             </a:r>
             <a:r>
-              <a:rPr lang="fr-FR" sz="1400" dirty="0" err="1" smtClean="0"/>
+              <a:rPr lang="fr-FR" sz="1400" dirty="0" err="1"/>
               <a:t>hashtags</a:t>
             </a:r>
             <a:r>
-              <a:rPr lang="fr-FR" sz="1400" dirty="0" smtClean="0"/>
-              <a:t> ont le plus de succès, trouver des comptes similaires et essayer de se </a:t>
-            </a:r>
-            <a:r>
-              <a:rPr lang="fr-FR" sz="1400" dirty="0" smtClean="0"/>
-              <a:t>faire remarquer)</a:t>
-            </a:r>
-          </a:p>
-          <a:p>
-            <a:r>
-              <a:rPr lang="fr-FR" sz="2000" dirty="0" smtClean="0"/>
+              <a:rPr lang="fr-FR" sz="1400" dirty="0"/>
+              <a:t> ont le plus de succès, trouver des comptes similaires et essayer de se faire remarquer)</a:t>
+            </a:r>
+          </a:p>
+          <a:p>
+            <a:r>
+              <a:rPr lang="fr-FR" sz="2000" dirty="0"/>
               <a:t>Avantages:</a:t>
             </a:r>
             <a:r>
-              <a:rPr lang="fr-FR" sz="1400" dirty="0" smtClean="0"/>
+              <a:rPr lang="fr-FR" sz="1400" dirty="0"/>
               <a:t> le salaire est très important pour les personnages les plus connus, la popularité mène à des partenariats et des collaborations qui ramènent encore plus d’argent, on peut « influencer » le public et le faire penser certaines choses, </a:t>
             </a:r>
           </a:p>
           <a:p>
             <a:r>
-              <a:rPr lang="fr-FR" sz="2000" dirty="0" smtClean="0"/>
+              <a:rPr lang="fr-FR" sz="2000" dirty="0"/>
               <a:t>Inconvénients:</a:t>
             </a:r>
             <a:r>
-              <a:rPr lang="fr-FR" sz="1400" dirty="0" smtClean="0"/>
+              <a:rPr lang="fr-FR" sz="1400" dirty="0"/>
               <a:t> vie privée très limitée, très surveillée par les médias, il y a peu de temps de repos, pression sur notre image, il faut s’adapter à son public, sujet à de nombreuses critiques</a:t>
             </a:r>
           </a:p>
           <a:p>
             <a:r>
-              <a:rPr lang="fr-FR" sz="2000" dirty="0" smtClean="0"/>
+              <a:rPr lang="fr-FR" sz="2000" dirty="0"/>
               <a:t>Salaires:</a:t>
             </a:r>
             <a:r>
-              <a:rPr lang="fr-FR" sz="1400" dirty="0" smtClean="0"/>
+              <a:rPr lang="fr-FR" sz="1400" dirty="0"/>
               <a:t> dépendent de notre popularité et de notre public </a:t>
             </a:r>
           </a:p>
           <a:p>
-            <a:endParaRPr lang="fr-FR" sz="1400" dirty="0" smtClean="0"/>
+            <a:endParaRPr lang="fr-FR" sz="1400" dirty="0"/>
           </a:p>
           <a:p>
             <a:endParaRPr lang="fr-FR" sz="1400" dirty="0"/>
@@ -4802,10 +4737,9 @@
           <a:lstStyle/>
           <a:p>
             <a:r>
-              <a:rPr lang="fr-FR" dirty="0" smtClean="0"/>
+              <a:rPr lang="fr-FR" dirty="0"/>
               <a:t>Bibliographie</a:t>
             </a:r>
-            <a:endParaRPr lang="fr-FR" dirty="0"/>
           </a:p>
         </p:txBody>
       </p:sp>
@@ -4830,23 +4764,23 @@
               <a:buNone/>
             </a:pPr>
             <a:r>
-              <a:rPr lang="fr-FR" sz="1600" dirty="0" smtClean="0"/>
+              <a:rPr lang="fr-FR" sz="1600" dirty="0"/>
               <a:t>Kim </a:t>
             </a:r>
             <a:r>
-              <a:rPr lang="fr-FR" sz="1600" dirty="0" err="1" smtClean="0"/>
+              <a:rPr lang="fr-FR" sz="1600" dirty="0" err="1"/>
               <a:t>Kardashian</a:t>
             </a:r>
             <a:r>
-              <a:rPr lang="fr-FR" sz="1600" dirty="0" smtClean="0"/>
+              <a:rPr lang="fr-FR" sz="1600" dirty="0"/>
               <a:t> - </a:t>
             </a:r>
             <a:r>
-              <a:rPr lang="fr-FR" sz="1600" dirty="0" err="1" smtClean="0"/>
+              <a:rPr lang="fr-FR" sz="1600" dirty="0" err="1"/>
               <a:t>Wikipédia</a:t>
             </a:r>
             <a:r>
-              <a:rPr lang="fr-FR" sz="1600" dirty="0" smtClean="0"/>
+              <a:rPr lang="fr-FR" sz="1600" dirty="0"/>
               <a:t>:</a:t>
             </a:r>
           </a:p>
@@ -4855,7 +4789,7 @@
               <a:buNone/>
             </a:pPr>
             <a:r>
-              <a:rPr lang="fr-FR" sz="1600" u="sng" dirty="0" smtClean="0">
+              <a:rPr lang="fr-FR" sz="1600" u="sng" dirty="0">
                 <a:solidFill>
                   <a:srgbClr val="0070C0"/>
                 </a:solidFill>
@@ -4864,20 +4798,15 @@
               <a:t>https://fr.wikipédia.org/wiki/Kim_Kardashian</a:t>
             </a:r>
             <a:r>
-              <a:rPr lang="fr-FR" sz="1600" dirty="0" smtClean="0"/>
-              <a:t>(17/01/2020</a:t>
-            </a:r>
-            <a:r>
-              <a:rPr lang="fr-FR" sz="1600" dirty="0" smtClean="0"/>
-              <a:t>)</a:t>
-            </a:r>
-            <a:endParaRPr lang="fr-FR" sz="1600" dirty="0" smtClean="0"/>
+              <a:rPr lang="fr-FR" sz="1600" dirty="0"/>
+              <a:t>(17/01/2020)</a:t>
+            </a:r>
           </a:p>
           <a:p>
             <a:pPr>
               <a:buNone/>
             </a:pPr>
-            <a:endParaRPr lang="fr-FR" sz="1600" u="sng" dirty="0" smtClean="0">
+            <a:endParaRPr lang="fr-FR" sz="1600" u="sng" dirty="0">
               <a:solidFill>
                 <a:srgbClr val="0070C0"/>
               </a:solidFill>
@@ -4888,15 +4817,15 @@
               <a:buNone/>
             </a:pPr>
             <a:r>
-              <a:rPr lang="fr-FR" sz="1600" dirty="0" smtClean="0"/>
+              <a:rPr lang="fr-FR" sz="1600" dirty="0"/>
               <a:t>Léna Situations - </a:t>
             </a:r>
             <a:r>
-              <a:rPr lang="fr-FR" sz="1600" dirty="0" err="1" smtClean="0"/>
+              <a:rPr lang="fr-FR" sz="1600" dirty="0" err="1"/>
               <a:t>Wikipédia</a:t>
             </a:r>
             <a:r>
-              <a:rPr lang="fr-FR" sz="1600" dirty="0" smtClean="0"/>
+              <a:rPr lang="fr-FR" sz="1600" dirty="0"/>
               <a:t>:</a:t>
             </a:r>
           </a:p>
@@ -4905,28 +4834,19 @@
               <a:buNone/>
             </a:pPr>
             <a:r>
-              <a:rPr lang="fr-FR" sz="1600" u="sng" dirty="0" smtClean="0">
+              <a:rPr lang="fr-FR" sz="1600" u="sng" dirty="0">
                 <a:solidFill>
                   <a:srgbClr val="0070C0"/>
                 </a:solidFill>
                 <a:hlinkClick r:id="rId3"/>
               </a:rPr>
-              <a:t>https://</a:t>
-            </a:r>
-            <a:r>
-              <a:rPr lang="fr-FR" sz="1600" u="sng" dirty="0" smtClean="0">
-                <a:solidFill>
-                  <a:srgbClr val="0070C0"/>
-                </a:solidFill>
-                <a:hlinkClick r:id="rId3"/>
-              </a:rPr>
-              <a:t>fr.wikipédia.org/wiki/Léna_Situations</a:t>
-            </a:r>
-            <a:r>
-              <a:rPr lang="fr-FR" sz="1600" dirty="0" smtClean="0"/>
+              <a:t>https://fr.wikipédia.org/wiki/Léna_Situations</a:t>
+            </a:r>
+            <a:r>
+              <a:rPr lang="fr-FR" sz="1600" dirty="0"/>
               <a:t>(17/01/2020)</a:t>
             </a:r>
-            <a:endParaRPr lang="fr-FR" sz="1600" u="sng" dirty="0" smtClean="0">
+            <a:endParaRPr lang="fr-FR" sz="1600" u="sng" dirty="0">
               <a:solidFill>
                 <a:srgbClr val="0070C0"/>
               </a:solidFill>
@@ -4936,7 +4856,7 @@
             <a:pPr>
               <a:buNone/>
             </a:pPr>
-            <a:endParaRPr lang="fr-FR" sz="1600" u="sng" dirty="0" smtClean="0">
+            <a:endParaRPr lang="fr-FR" sz="1600" u="sng" dirty="0">
               <a:solidFill>
                 <a:srgbClr val="0070C0"/>
               </a:solidFill>
@@ -4947,19 +4867,19 @@
               <a:buNone/>
             </a:pPr>
             <a:r>
-              <a:rPr lang="fr-FR" sz="1600" dirty="0" err="1" smtClean="0"/>
+              <a:rPr lang="fr-FR" sz="1600" dirty="0" err="1"/>
               <a:t>Monty</a:t>
             </a:r>
             <a:r>
-              <a:rPr lang="fr-FR" sz="1600" dirty="0" smtClean="0"/>
+              <a:rPr lang="fr-FR" sz="1600" dirty="0"/>
               <a:t> Don – </a:t>
             </a:r>
             <a:r>
-              <a:rPr lang="fr-FR" sz="1600" dirty="0" err="1" smtClean="0"/>
+              <a:rPr lang="fr-FR" sz="1600" dirty="0" err="1"/>
               <a:t>Wikipédia</a:t>
             </a:r>
             <a:r>
-              <a:rPr lang="fr-FR" sz="1600" dirty="0" smtClean="0"/>
+              <a:rPr lang="fr-FR" sz="1600" dirty="0"/>
               <a:t>:</a:t>
             </a:r>
           </a:p>
@@ -4968,7 +4888,7 @@
               <a:buNone/>
             </a:pPr>
             <a:r>
-              <a:rPr lang="fr-FR" sz="1600" u="sng" dirty="0" smtClean="0">
+              <a:rPr lang="fr-FR" sz="1600" u="sng" dirty="0">
                 <a:solidFill>
                   <a:srgbClr val="0070C0"/>
                 </a:solidFill>
@@ -4977,10 +4897,10 @@
               <a:t>https://fr.wikipédia.org/wiki/Monty_Don</a:t>
             </a:r>
             <a:r>
-              <a:rPr lang="fr-FR" sz="1600" dirty="0" smtClean="0"/>
+              <a:rPr lang="fr-FR" sz="1600" dirty="0"/>
               <a:t>(17/01/2020)</a:t>
             </a:r>
-            <a:endParaRPr lang="fr-FR" sz="1600" u="sng" dirty="0" smtClean="0">
+            <a:endParaRPr lang="fr-FR" sz="1600" u="sng" dirty="0">
               <a:solidFill>
                 <a:srgbClr val="0070C0"/>
               </a:solidFill>
@@ -4990,7 +4910,7 @@
             <a:pPr>
               <a:buNone/>
             </a:pPr>
-            <a:endParaRPr lang="fr-FR" sz="1600" u="sng" dirty="0" smtClean="0">
+            <a:endParaRPr lang="fr-FR" sz="1600" u="sng" dirty="0">
               <a:solidFill>
                 <a:srgbClr val="0070C0"/>
               </a:solidFill>
@@ -5000,7 +4920,7 @@
             <a:pPr>
               <a:buNone/>
             </a:pPr>
-            <a:endParaRPr lang="fr-FR" sz="1600" u="sng" dirty="0" smtClean="0">
+            <a:endParaRPr lang="fr-FR" sz="1600" u="sng" dirty="0">
               <a:solidFill>
                 <a:srgbClr val="0070C0"/>
               </a:solidFill>
@@ -5010,20 +4930,14 @@
             <a:pPr>
               <a:buNone/>
             </a:pPr>
-            <a:endParaRPr lang="fr-FR" sz="1600" dirty="0" smtClean="0"/>
+            <a:endParaRPr lang="fr-FR" sz="1600" dirty="0"/>
           </a:p>
           <a:p>
             <a:pPr>
               <a:buNone/>
             </a:pPr>
-            <a:r>
-              <a:rPr lang="fr-FR" dirty="0" smtClean="0">
-                <a:hlinkClick r:id="rId5"/>
-              </a:rPr>
-              <a:t/>
-            </a:r>
             <a:br>
-              <a:rPr lang="fr-FR" dirty="0" smtClean="0">
+              <a:rPr lang="fr-FR" dirty="0">
                 <a:hlinkClick r:id="rId5"/>
               </a:rPr>
             </a:br>
